--- a/0.PPT파일/연표_음악사_2019-01-22.pptx
+++ b/0.PPT파일/연표_음악사_2019-01-22.pptx
@@ -304,7 +304,7 @@
           <a:p>
             <a:fld id="{F16E468C-B1CE-4C67-8465-EC8AB722B92C}" type="datetimeFigureOut">
               <a:rPr lang="ko-KR" altLang="en-US" smtClean="0"/>
-              <a:t>2020-08-04</a:t>
+              <a:t>2020-09-20</a:t>
             </a:fld>
             <a:endParaRPr lang="ko-KR" altLang="en-US"/>
           </a:p>
@@ -474,7 +474,7 @@
           <a:p>
             <a:fld id="{F16E468C-B1CE-4C67-8465-EC8AB722B92C}" type="datetimeFigureOut">
               <a:rPr lang="ko-KR" altLang="en-US" smtClean="0"/>
-              <a:t>2020-08-04</a:t>
+              <a:t>2020-09-20</a:t>
             </a:fld>
             <a:endParaRPr lang="ko-KR" altLang="en-US"/>
           </a:p>
@@ -654,7 +654,7 @@
           <a:p>
             <a:fld id="{F16E468C-B1CE-4C67-8465-EC8AB722B92C}" type="datetimeFigureOut">
               <a:rPr lang="ko-KR" altLang="en-US" smtClean="0"/>
-              <a:t>2020-08-04</a:t>
+              <a:t>2020-09-20</a:t>
             </a:fld>
             <a:endParaRPr lang="ko-KR" altLang="en-US"/>
           </a:p>
@@ -824,7 +824,7 @@
           <a:p>
             <a:fld id="{F16E468C-B1CE-4C67-8465-EC8AB722B92C}" type="datetimeFigureOut">
               <a:rPr lang="ko-KR" altLang="en-US" smtClean="0"/>
-              <a:t>2020-08-04</a:t>
+              <a:t>2020-09-20</a:t>
             </a:fld>
             <a:endParaRPr lang="ko-KR" altLang="en-US"/>
           </a:p>
@@ -1070,7 +1070,7 @@
           <a:p>
             <a:fld id="{F16E468C-B1CE-4C67-8465-EC8AB722B92C}" type="datetimeFigureOut">
               <a:rPr lang="ko-KR" altLang="en-US" smtClean="0"/>
-              <a:t>2020-08-04</a:t>
+              <a:t>2020-09-20</a:t>
             </a:fld>
             <a:endParaRPr lang="ko-KR" altLang="en-US"/>
           </a:p>
@@ -1358,7 +1358,7 @@
           <a:p>
             <a:fld id="{F16E468C-B1CE-4C67-8465-EC8AB722B92C}" type="datetimeFigureOut">
               <a:rPr lang="ko-KR" altLang="en-US" smtClean="0"/>
-              <a:t>2020-08-04</a:t>
+              <a:t>2020-09-20</a:t>
             </a:fld>
             <a:endParaRPr lang="ko-KR" altLang="en-US"/>
           </a:p>
@@ -1785,7 +1785,7 @@
           <a:p>
             <a:fld id="{F16E468C-B1CE-4C67-8465-EC8AB722B92C}" type="datetimeFigureOut">
               <a:rPr lang="ko-KR" altLang="en-US" smtClean="0"/>
-              <a:t>2020-08-04</a:t>
+              <a:t>2020-09-20</a:t>
             </a:fld>
             <a:endParaRPr lang="ko-KR" altLang="en-US"/>
           </a:p>
@@ -1903,7 +1903,7 @@
           <a:p>
             <a:fld id="{F16E468C-B1CE-4C67-8465-EC8AB722B92C}" type="datetimeFigureOut">
               <a:rPr lang="ko-KR" altLang="en-US" smtClean="0"/>
-              <a:t>2020-08-04</a:t>
+              <a:t>2020-09-20</a:t>
             </a:fld>
             <a:endParaRPr lang="ko-KR" altLang="en-US"/>
           </a:p>
@@ -1998,7 +1998,7 @@
           <a:p>
             <a:fld id="{F16E468C-B1CE-4C67-8465-EC8AB722B92C}" type="datetimeFigureOut">
               <a:rPr lang="ko-KR" altLang="en-US" smtClean="0"/>
-              <a:t>2020-08-04</a:t>
+              <a:t>2020-09-20</a:t>
             </a:fld>
             <a:endParaRPr lang="ko-KR" altLang="en-US"/>
           </a:p>
@@ -2275,7 +2275,7 @@
           <a:p>
             <a:fld id="{F16E468C-B1CE-4C67-8465-EC8AB722B92C}" type="datetimeFigureOut">
               <a:rPr lang="ko-KR" altLang="en-US" smtClean="0"/>
-              <a:t>2020-08-04</a:t>
+              <a:t>2020-09-20</a:t>
             </a:fld>
             <a:endParaRPr lang="ko-KR" altLang="en-US"/>
           </a:p>
@@ -2528,7 +2528,7 @@
           <a:p>
             <a:fld id="{F16E468C-B1CE-4C67-8465-EC8AB722B92C}" type="datetimeFigureOut">
               <a:rPr lang="ko-KR" altLang="en-US" smtClean="0"/>
-              <a:t>2020-08-04</a:t>
+              <a:t>2020-09-20</a:t>
             </a:fld>
             <a:endParaRPr lang="ko-KR" altLang="en-US"/>
           </a:p>
@@ -2741,7 +2741,7 @@
           <a:p>
             <a:fld id="{F16E468C-B1CE-4C67-8465-EC8AB722B92C}" type="datetimeFigureOut">
               <a:rPr lang="ko-KR" altLang="en-US" smtClean="0"/>
-              <a:t>2020-08-04</a:t>
+              <a:t>2020-09-20</a:t>
             </a:fld>
             <a:endParaRPr lang="ko-KR" altLang="en-US"/>
           </a:p>
@@ -3125,14 +3125,14 @@
           <p:nvPr>
             <p:extLst>
               <p:ext uri="{D42A27DB-BD31-4B8C-83A1-F6EECF244321}">
-                <p14:modId xmlns:p14="http://schemas.microsoft.com/office/powerpoint/2010/main" val="157908577"/>
+                <p14:modId xmlns:p14="http://schemas.microsoft.com/office/powerpoint/2010/main" val="3070312860"/>
               </p:ext>
             </p:extLst>
           </p:nvPr>
         </p:nvGraphicFramePr>
         <p:xfrm>
           <a:off x="116628" y="56456"/>
-          <a:ext cx="6660690" cy="9781811"/>
+          <a:ext cx="6660690" cy="9793088"/>
         </p:xfrm>
         <a:graphic>
           <a:graphicData uri="http://schemas.openxmlformats.org/drawingml/2006/table">
@@ -3141,14 +3141,14 @@
                 <a:tableStyleId>{5940675A-B579-460E-94D1-54222C63F5DA}</a:tableStyleId>
               </a:tblPr>
               <a:tblGrid>
-                <a:gridCol w="222023">
+                <a:gridCol w="216028">
                   <a:extLst>
                     <a:ext uri="{9D8B030D-6E8A-4147-A177-3AD203B41FA5}">
                       <a16:colId xmlns:a16="http://schemas.microsoft.com/office/drawing/2014/main" val="20000"/>
                     </a:ext>
                   </a:extLst>
                 </a:gridCol>
-                <a:gridCol w="222023">
+                <a:gridCol w="228018">
                   <a:extLst>
                     <a:ext uri="{9D8B030D-6E8A-4147-A177-3AD203B41FA5}">
                       <a16:colId xmlns:a16="http://schemas.microsoft.com/office/drawing/2014/main" val="20001"/>
@@ -5289,7 +5289,7 @@
                   </a:ext>
                 </a:extLst>
               </a:tr>
-              <a:tr h="8496944">
+              <a:tr h="2448272">
                 <a:tc>
                   <a:txBody>
                     <a:bodyPr/>
@@ -7042,7 +7042,7 @@
                   </a:ext>
                 </a:extLst>
               </a:tr>
-              <a:tr h="924827">
+              <a:tr h="6984776">
                 <a:tc>
                   <a:txBody>
                     <a:bodyPr/>
@@ -7224,7 +7224,7 @@
                     <a:lstStyle/>
                     <a:p>
                       <a:pPr latinLnBrk="1"/>
-                      <a:endParaRPr lang="ko-KR" altLang="en-US" sz="1200"/>
+                      <a:endParaRPr lang="ko-KR" altLang="en-US" sz="1200" dirty="0"/>
                     </a:p>
                   </a:txBody>
                   <a:tcPr>
@@ -7340,7 +7340,7 @@
                     <a:lstStyle/>
                     <a:p>
                       <a:pPr latinLnBrk="1"/>
-                      <a:endParaRPr lang="ko-KR" altLang="en-US" sz="1200"/>
+                      <a:endParaRPr lang="ko-KR" altLang="en-US" sz="1200" dirty="0"/>
                     </a:p>
                   </a:txBody>
                   <a:tcPr>
@@ -9136,7 +9136,7 @@
         </p:nvSpPr>
         <p:spPr>
           <a:xfrm>
-            <a:off x="1193304" y="2495456"/>
+            <a:off x="1193304" y="2288704"/>
             <a:ext cx="1947664" cy="360000"/>
           </a:xfrm>
           <a:prstGeom prst="rect">
@@ -9167,7 +9167,7 @@
             </a:pPr>
             <a:r>
               <a:rPr lang="ko-KR" altLang="en-US" sz="800" b="1" dirty="0" smtClean="0"/>
-              <a:t>괴테 </a:t>
+              <a:t>              괴테 </a:t>
             </a:r>
             <a:r>
               <a:rPr lang="en-US" altLang="ko-KR" sz="800" dirty="0" smtClean="0"/>
@@ -9182,7 +9182,7 @@
             </a:pPr>
             <a:r>
               <a:rPr lang="ko-KR" altLang="en-US" sz="800" dirty="0" smtClean="0"/>
-              <a:t>낭만주의자</a:t>
+              <a:t>            낭만주의자</a:t>
             </a:r>
             <a:r>
               <a:rPr lang="en-US" altLang="ko-KR" sz="800" dirty="0" smtClean="0"/>
@@ -11402,7 +11402,7 @@
         </p:nvSpPr>
         <p:spPr>
           <a:xfrm>
-            <a:off x="2132856" y="3944888"/>
+            <a:off x="4439147" y="4347999"/>
             <a:ext cx="1440160" cy="400110"/>
           </a:xfrm>
           <a:prstGeom prst="rect">
@@ -12667,8 +12667,8 @@
         </p:nvSpPr>
         <p:spPr>
           <a:xfrm>
-            <a:off x="210686" y="7791538"/>
-            <a:ext cx="1701066" cy="400110"/>
+            <a:off x="210685" y="7791538"/>
+            <a:ext cx="1833809" cy="246221"/>
           </a:xfrm>
           <a:prstGeom prst="rect">
             <a:avLst/>
@@ -12679,21 +12679,48 @@
           <a:bodyPr wrap="square" rtlCol="0">
             <a:spAutoFit/>
           </a:bodyPr>
-          <a:lstStyle/>
-          <a:p>
-            <a:r>
-              <a:rPr lang="ko-KR" altLang="en-US" sz="1000" dirty="0" smtClean="0"/>
-              <a:t>베토벤의 유서</a:t>
-            </a:r>
-            <a:r>
-              <a:rPr lang="en-US" altLang="ko-KR" sz="1000" dirty="0" smtClean="0"/>
-              <a:t>. </a:t>
-            </a:r>
-            <a:r>
-              <a:rPr lang="ko-KR" altLang="en-US" sz="1000" dirty="0" smtClean="0"/>
+          <a:lstStyle>
+            <a:defPPr>
+              <a:defRPr lang="ko-KR"/>
+            </a:defPPr>
+            <a:lvl1pPr marL="108000" indent="-108000">
+              <a:defRPr sz="1000" b="1">
+                <a:solidFill>
+                  <a:srgbClr val="C00000"/>
+                </a:solidFill>
+              </a:defRPr>
+            </a:lvl1pPr>
+          </a:lstStyle>
+          <a:p>
+            <a:r>
+              <a:rPr lang="ko-KR" altLang="en-US" dirty="0" smtClean="0">
+                <a:solidFill>
+                  <a:schemeClr val="tx1"/>
+                </a:solidFill>
+              </a:rPr>
+              <a:t>베토벤</a:t>
+            </a:r>
+            <a:r>
+              <a:rPr lang="en-US" altLang="ko-KR" b="0" dirty="0" smtClean="0">
+                <a:solidFill>
+                  <a:schemeClr val="tx1"/>
+                </a:solidFill>
+              </a:rPr>
+              <a:t>: </a:t>
+            </a:r>
+            <a:r>
+              <a:rPr lang="ko-KR" altLang="en-US" b="0" dirty="0">
+                <a:solidFill>
+                  <a:schemeClr val="tx1"/>
+                </a:solidFill>
+              </a:rPr>
               <a:t>유서 이후 영웅 작곡</a:t>
             </a:r>
-            <a:endParaRPr lang="ko-KR" altLang="en-US" sz="1000" dirty="0"/>
+            <a:endParaRPr lang="ko-KR" altLang="en-US" b="0" dirty="0">
+              <a:solidFill>
+                <a:schemeClr val="tx1"/>
+              </a:solidFill>
+            </a:endParaRPr>
           </a:p>
         </p:txBody>
       </p:sp>
@@ -12719,8 +12746,13 @@
           </a:bodyPr>
           <a:lstStyle/>
           <a:p>
-            <a:r>
-              <a:rPr lang="ko-KR" altLang="en-US" sz="1000" dirty="0" smtClean="0"/>
+            <a:pPr marL="108000" indent="-108000"/>
+            <a:r>
+              <a:rPr lang="ko-KR" altLang="en-US" sz="1000" b="1" dirty="0" smtClean="0">
+                <a:solidFill>
+                  <a:srgbClr val="C00000"/>
+                </a:solidFill>
+              </a:rPr>
               <a:t>교향곡</a:t>
             </a:r>
             <a:r>
@@ -12736,7 +12768,7 @@
               <a:t>. </a:t>
             </a:r>
             <a:r>
-              <a:rPr lang="ko-KR" altLang="en-US" sz="1000" smtClean="0"/>
+              <a:rPr lang="ko-KR" altLang="en-US" sz="1000" dirty="0" smtClean="0"/>
               <a:t>오페라의 서곡에서 시작되었다는 것이 일반적임</a:t>
             </a:r>
             <a:endParaRPr lang="ko-KR" altLang="en-US" sz="1000" dirty="0"/>
@@ -12807,7 +12839,7 @@
         </p:nvSpPr>
         <p:spPr>
           <a:xfrm>
-            <a:off x="2775132" y="2150089"/>
+            <a:off x="2721792" y="2015912"/>
             <a:ext cx="618135" cy="226591"/>
           </a:xfrm>
           <a:prstGeom prst="rect">
@@ -12852,6 +12884,95 @@
                 <a:schemeClr val="tx1"/>
               </a:solidFill>
             </a:endParaRPr>
+          </a:p>
+        </p:txBody>
+      </p:sp>
+      <p:sp>
+        <p:nvSpPr>
+          <p:cNvPr id="68" name="TextBox 67"/>
+          <p:cNvSpPr txBox="1"/>
+          <p:nvPr/>
+        </p:nvSpPr>
+        <p:spPr>
+          <a:xfrm>
+            <a:off x="2205445" y="4016936"/>
+            <a:ext cx="1607035" cy="360000"/>
+          </a:xfrm>
+          <a:prstGeom prst="rect">
+            <a:avLst/>
+          </a:prstGeom>
+          <a:solidFill>
+            <a:schemeClr val="bg1"/>
+          </a:solidFill>
+          <a:ln>
+            <a:solidFill>
+              <a:schemeClr val="tx1">
+                <a:lumMod val="50000"/>
+                <a:lumOff val="50000"/>
+              </a:schemeClr>
+            </a:solidFill>
+          </a:ln>
+        </p:spPr>
+        <p:txBody>
+          <a:bodyPr wrap="none" lIns="36000" tIns="36000" rIns="36000" bIns="36000" rtlCol="0" anchor="ctr" anchorCtr="0">
+            <a:noAutofit/>
+          </a:bodyPr>
+          <a:lstStyle>
+            <a:defPPr>
+              <a:defRPr lang="ko-KR"/>
+            </a:defPPr>
+            <a:lvl1pPr algn="ctr">
+              <a:lnSpc>
+                <a:spcPts val="1200"/>
+              </a:lnSpc>
+              <a:defRPr sz="800" b="1"/>
+            </a:lvl1pPr>
+          </a:lstStyle>
+          <a:p>
+            <a:r>
+              <a:rPr lang="ko-KR" altLang="en-US" dirty="0" err="1" smtClean="0"/>
+              <a:t>로시니</a:t>
+            </a:r>
+            <a:r>
+              <a:rPr lang="ko-KR" altLang="en-US" b="0" dirty="0" smtClean="0"/>
+              <a:t> </a:t>
+            </a:r>
+            <a:r>
+              <a:rPr lang="en-US" altLang="ko-KR" b="0" dirty="0" smtClean="0"/>
+              <a:t>(</a:t>
+            </a:r>
+            <a:r>
+              <a:rPr lang="en-US" altLang="ko-KR" b="0" dirty="0" smtClean="0"/>
+              <a:t>1792~1868)</a:t>
+            </a:r>
+            <a:endParaRPr lang="en-US" altLang="ko-KR" b="0" dirty="0" smtClean="0"/>
+          </a:p>
+          <a:p>
+            <a:r>
+              <a:rPr lang="ko-KR" altLang="en-US" sz="700" b="0" dirty="0" smtClean="0"/>
+              <a:t>오페라</a:t>
+            </a:r>
+            <a:r>
+              <a:rPr lang="en-US" altLang="ko-KR" sz="700" b="0" dirty="0" smtClean="0"/>
+              <a:t>: </a:t>
+            </a:r>
+            <a:r>
+              <a:rPr lang="ko-KR" altLang="en-US" sz="700" b="0" dirty="0" err="1" smtClean="0"/>
+              <a:t>세비야의</a:t>
+            </a:r>
+            <a:r>
+              <a:rPr lang="ko-KR" altLang="en-US" sz="700" b="0" dirty="0" smtClean="0"/>
+              <a:t> 이발사</a:t>
+            </a:r>
+            <a:r>
+              <a:rPr lang="en-US" altLang="ko-KR" sz="700" b="0" dirty="0" smtClean="0"/>
+              <a:t>, </a:t>
+            </a:r>
+            <a:r>
+              <a:rPr lang="ko-KR" altLang="en-US" sz="700" b="0" dirty="0" smtClean="0"/>
+              <a:t>빌헬름 텔</a:t>
+            </a:r>
+            <a:endParaRPr lang="en-US" altLang="ko-KR" sz="700" b="0" dirty="0"/>
           </a:p>
         </p:txBody>
       </p:sp>

--- a/0.PPT파일/연표_음악사_2019-01-22.pptx
+++ b/0.PPT파일/연표_음악사_2019-01-22.pptx
@@ -304,7 +304,7 @@
           <a:p>
             <a:fld id="{F16E468C-B1CE-4C67-8465-EC8AB722B92C}" type="datetimeFigureOut">
               <a:rPr lang="ko-KR" altLang="en-US" smtClean="0"/>
-              <a:t>2020-09-20</a:t>
+              <a:t>2020-09-21</a:t>
             </a:fld>
             <a:endParaRPr lang="ko-KR" altLang="en-US"/>
           </a:p>
@@ -474,7 +474,7 @@
           <a:p>
             <a:fld id="{F16E468C-B1CE-4C67-8465-EC8AB722B92C}" type="datetimeFigureOut">
               <a:rPr lang="ko-KR" altLang="en-US" smtClean="0"/>
-              <a:t>2020-09-20</a:t>
+              <a:t>2020-09-21</a:t>
             </a:fld>
             <a:endParaRPr lang="ko-KR" altLang="en-US"/>
           </a:p>
@@ -654,7 +654,7 @@
           <a:p>
             <a:fld id="{F16E468C-B1CE-4C67-8465-EC8AB722B92C}" type="datetimeFigureOut">
               <a:rPr lang="ko-KR" altLang="en-US" smtClean="0"/>
-              <a:t>2020-09-20</a:t>
+              <a:t>2020-09-21</a:t>
             </a:fld>
             <a:endParaRPr lang="ko-KR" altLang="en-US"/>
           </a:p>
@@ -824,7 +824,7 @@
           <a:p>
             <a:fld id="{F16E468C-B1CE-4C67-8465-EC8AB722B92C}" type="datetimeFigureOut">
               <a:rPr lang="ko-KR" altLang="en-US" smtClean="0"/>
-              <a:t>2020-09-20</a:t>
+              <a:t>2020-09-21</a:t>
             </a:fld>
             <a:endParaRPr lang="ko-KR" altLang="en-US"/>
           </a:p>
@@ -1070,7 +1070,7 @@
           <a:p>
             <a:fld id="{F16E468C-B1CE-4C67-8465-EC8AB722B92C}" type="datetimeFigureOut">
               <a:rPr lang="ko-KR" altLang="en-US" smtClean="0"/>
-              <a:t>2020-09-20</a:t>
+              <a:t>2020-09-21</a:t>
             </a:fld>
             <a:endParaRPr lang="ko-KR" altLang="en-US"/>
           </a:p>
@@ -1358,7 +1358,7 @@
           <a:p>
             <a:fld id="{F16E468C-B1CE-4C67-8465-EC8AB722B92C}" type="datetimeFigureOut">
               <a:rPr lang="ko-KR" altLang="en-US" smtClean="0"/>
-              <a:t>2020-09-20</a:t>
+              <a:t>2020-09-21</a:t>
             </a:fld>
             <a:endParaRPr lang="ko-KR" altLang="en-US"/>
           </a:p>
@@ -1785,7 +1785,7 @@
           <a:p>
             <a:fld id="{F16E468C-B1CE-4C67-8465-EC8AB722B92C}" type="datetimeFigureOut">
               <a:rPr lang="ko-KR" altLang="en-US" smtClean="0"/>
-              <a:t>2020-09-20</a:t>
+              <a:t>2020-09-21</a:t>
             </a:fld>
             <a:endParaRPr lang="ko-KR" altLang="en-US"/>
           </a:p>
@@ -1903,7 +1903,7 @@
           <a:p>
             <a:fld id="{F16E468C-B1CE-4C67-8465-EC8AB722B92C}" type="datetimeFigureOut">
               <a:rPr lang="ko-KR" altLang="en-US" smtClean="0"/>
-              <a:t>2020-09-20</a:t>
+              <a:t>2020-09-21</a:t>
             </a:fld>
             <a:endParaRPr lang="ko-KR" altLang="en-US"/>
           </a:p>
@@ -1998,7 +1998,7 @@
           <a:p>
             <a:fld id="{F16E468C-B1CE-4C67-8465-EC8AB722B92C}" type="datetimeFigureOut">
               <a:rPr lang="ko-KR" altLang="en-US" smtClean="0"/>
-              <a:t>2020-09-20</a:t>
+              <a:t>2020-09-21</a:t>
             </a:fld>
             <a:endParaRPr lang="ko-KR" altLang="en-US"/>
           </a:p>
@@ -2275,7 +2275,7 @@
           <a:p>
             <a:fld id="{F16E468C-B1CE-4C67-8465-EC8AB722B92C}" type="datetimeFigureOut">
               <a:rPr lang="ko-KR" altLang="en-US" smtClean="0"/>
-              <a:t>2020-09-20</a:t>
+              <a:t>2020-09-21</a:t>
             </a:fld>
             <a:endParaRPr lang="ko-KR" altLang="en-US"/>
           </a:p>
@@ -2528,7 +2528,7 @@
           <a:p>
             <a:fld id="{F16E468C-B1CE-4C67-8465-EC8AB722B92C}" type="datetimeFigureOut">
               <a:rPr lang="ko-KR" altLang="en-US" smtClean="0"/>
-              <a:t>2020-09-20</a:t>
+              <a:t>2020-09-21</a:t>
             </a:fld>
             <a:endParaRPr lang="ko-KR" altLang="en-US"/>
           </a:p>
@@ -2741,7 +2741,7 @@
           <a:p>
             <a:fld id="{F16E468C-B1CE-4C67-8465-EC8AB722B92C}" type="datetimeFigureOut">
               <a:rPr lang="ko-KR" altLang="en-US" smtClean="0"/>
-              <a:t>2020-09-20</a:t>
+              <a:t>2020-09-21</a:t>
             </a:fld>
             <a:endParaRPr lang="ko-KR" altLang="en-US"/>
           </a:p>
@@ -11500,7 +11500,7 @@
         </p:nvSpPr>
         <p:spPr>
           <a:xfrm>
-            <a:off x="3573016" y="3800872"/>
+            <a:off x="3573016" y="3656856"/>
             <a:ext cx="1512168" cy="504056"/>
           </a:xfrm>
           <a:prstGeom prst="rect">
@@ -12286,7 +12286,15 @@
           </a:p>
           <a:p>
             <a:r>
-              <a:rPr lang="ko-KR" altLang="en-US" sz="700" b="0" dirty="0" smtClean="0"/>
+              <a:rPr lang="ko-KR" altLang="en-US" sz="700" b="0" dirty="0" err="1" smtClean="0"/>
+              <a:t>발레음악</a:t>
+            </a:r>
+            <a:r>
+              <a:rPr lang="en-US" altLang="ko-KR" sz="700" b="0" dirty="0" smtClean="0"/>
+              <a:t>: </a:t>
+            </a:r>
+            <a:r>
+              <a:rPr lang="ko-KR" altLang="en-US" sz="700" b="0" smtClean="0"/>
               <a:t>불새</a:t>
             </a:r>
             <a:r>
@@ -12716,11 +12724,6 @@
               </a:rPr>
               <a:t>유서 이후 영웅 작곡</a:t>
             </a:r>
-            <a:endParaRPr lang="ko-KR" altLang="en-US" b="0" dirty="0">
-              <a:solidFill>
-                <a:schemeClr val="tx1"/>
-              </a:solidFill>
-            </a:endParaRPr>
           </a:p>
         </p:txBody>
       </p:sp>
@@ -12895,7 +12898,7 @@
         </p:nvSpPr>
         <p:spPr>
           <a:xfrm>
-            <a:off x="2205445" y="4016936"/>
+            <a:off x="2205445" y="3998672"/>
             <a:ext cx="1607035" cy="360000"/>
           </a:xfrm>
           <a:prstGeom prst="rect">
@@ -12939,13 +12942,8 @@
             </a:r>
             <a:r>
               <a:rPr lang="en-US" altLang="ko-KR" b="0" dirty="0" smtClean="0"/>
-              <a:t>(</a:t>
-            </a:r>
-            <a:r>
-              <a:rPr lang="en-US" altLang="ko-KR" b="0" dirty="0" smtClean="0"/>
-              <a:t>1792~1868)</a:t>
-            </a:r>
-            <a:endParaRPr lang="en-US" altLang="ko-KR" b="0" dirty="0" smtClean="0"/>
+              <a:t>(1792~1868)</a:t>
+            </a:r>
           </a:p>
           <a:p>
             <a:r>

--- a/0.PPT파일/연표_음악사_2019-01-22.pptx
+++ b/0.PPT파일/연표_음악사_2019-01-22.pptx
@@ -304,7 +304,7 @@
           <a:p>
             <a:fld id="{F16E468C-B1CE-4C67-8465-EC8AB722B92C}" type="datetimeFigureOut">
               <a:rPr lang="ko-KR" altLang="en-US" smtClean="0"/>
-              <a:t>2020-09-21</a:t>
+              <a:t>2020-12-04</a:t>
             </a:fld>
             <a:endParaRPr lang="ko-KR" altLang="en-US"/>
           </a:p>
@@ -474,7 +474,7 @@
           <a:p>
             <a:fld id="{F16E468C-B1CE-4C67-8465-EC8AB722B92C}" type="datetimeFigureOut">
               <a:rPr lang="ko-KR" altLang="en-US" smtClean="0"/>
-              <a:t>2020-09-21</a:t>
+              <a:t>2020-12-04</a:t>
             </a:fld>
             <a:endParaRPr lang="ko-KR" altLang="en-US"/>
           </a:p>
@@ -654,7 +654,7 @@
           <a:p>
             <a:fld id="{F16E468C-B1CE-4C67-8465-EC8AB722B92C}" type="datetimeFigureOut">
               <a:rPr lang="ko-KR" altLang="en-US" smtClean="0"/>
-              <a:t>2020-09-21</a:t>
+              <a:t>2020-12-04</a:t>
             </a:fld>
             <a:endParaRPr lang="ko-KR" altLang="en-US"/>
           </a:p>
@@ -824,7 +824,7 @@
           <a:p>
             <a:fld id="{F16E468C-B1CE-4C67-8465-EC8AB722B92C}" type="datetimeFigureOut">
               <a:rPr lang="ko-KR" altLang="en-US" smtClean="0"/>
-              <a:t>2020-09-21</a:t>
+              <a:t>2020-12-04</a:t>
             </a:fld>
             <a:endParaRPr lang="ko-KR" altLang="en-US"/>
           </a:p>
@@ -1070,7 +1070,7 @@
           <a:p>
             <a:fld id="{F16E468C-B1CE-4C67-8465-EC8AB722B92C}" type="datetimeFigureOut">
               <a:rPr lang="ko-KR" altLang="en-US" smtClean="0"/>
-              <a:t>2020-09-21</a:t>
+              <a:t>2020-12-04</a:t>
             </a:fld>
             <a:endParaRPr lang="ko-KR" altLang="en-US"/>
           </a:p>
@@ -1358,7 +1358,7 @@
           <a:p>
             <a:fld id="{F16E468C-B1CE-4C67-8465-EC8AB722B92C}" type="datetimeFigureOut">
               <a:rPr lang="ko-KR" altLang="en-US" smtClean="0"/>
-              <a:t>2020-09-21</a:t>
+              <a:t>2020-12-04</a:t>
             </a:fld>
             <a:endParaRPr lang="ko-KR" altLang="en-US"/>
           </a:p>
@@ -1785,7 +1785,7 @@
           <a:p>
             <a:fld id="{F16E468C-B1CE-4C67-8465-EC8AB722B92C}" type="datetimeFigureOut">
               <a:rPr lang="ko-KR" altLang="en-US" smtClean="0"/>
-              <a:t>2020-09-21</a:t>
+              <a:t>2020-12-04</a:t>
             </a:fld>
             <a:endParaRPr lang="ko-KR" altLang="en-US"/>
           </a:p>
@@ -1903,7 +1903,7 @@
           <a:p>
             <a:fld id="{F16E468C-B1CE-4C67-8465-EC8AB722B92C}" type="datetimeFigureOut">
               <a:rPr lang="ko-KR" altLang="en-US" smtClean="0"/>
-              <a:t>2020-09-21</a:t>
+              <a:t>2020-12-04</a:t>
             </a:fld>
             <a:endParaRPr lang="ko-KR" altLang="en-US"/>
           </a:p>
@@ -1998,7 +1998,7 @@
           <a:p>
             <a:fld id="{F16E468C-B1CE-4C67-8465-EC8AB722B92C}" type="datetimeFigureOut">
               <a:rPr lang="ko-KR" altLang="en-US" smtClean="0"/>
-              <a:t>2020-09-21</a:t>
+              <a:t>2020-12-04</a:t>
             </a:fld>
             <a:endParaRPr lang="ko-KR" altLang="en-US"/>
           </a:p>
@@ -2275,7 +2275,7 @@
           <a:p>
             <a:fld id="{F16E468C-B1CE-4C67-8465-EC8AB722B92C}" type="datetimeFigureOut">
               <a:rPr lang="ko-KR" altLang="en-US" smtClean="0"/>
-              <a:t>2020-09-21</a:t>
+              <a:t>2020-12-04</a:t>
             </a:fld>
             <a:endParaRPr lang="ko-KR" altLang="en-US"/>
           </a:p>
@@ -2528,7 +2528,7 @@
           <a:p>
             <a:fld id="{F16E468C-B1CE-4C67-8465-EC8AB722B92C}" type="datetimeFigureOut">
               <a:rPr lang="ko-KR" altLang="en-US" smtClean="0"/>
-              <a:t>2020-09-21</a:t>
+              <a:t>2020-12-04</a:t>
             </a:fld>
             <a:endParaRPr lang="ko-KR" altLang="en-US"/>
           </a:p>
@@ -2741,7 +2741,7 @@
           <a:p>
             <a:fld id="{F16E468C-B1CE-4C67-8465-EC8AB722B92C}" type="datetimeFigureOut">
               <a:rPr lang="ko-KR" altLang="en-US" smtClean="0"/>
-              <a:t>2020-09-21</a:t>
+              <a:t>2020-12-04</a:t>
             </a:fld>
             <a:endParaRPr lang="ko-KR" altLang="en-US"/>
           </a:p>
@@ -10198,7 +10198,7 @@
         </p:nvSpPr>
         <p:spPr>
           <a:xfrm>
-            <a:off x="5217927" y="8697416"/>
+            <a:off x="5208570" y="9589961"/>
             <a:ext cx="1528313" cy="195814"/>
           </a:xfrm>
           <a:prstGeom prst="rect">
@@ -12067,7 +12067,7 @@
         </p:nvSpPr>
         <p:spPr>
           <a:xfrm>
-            <a:off x="3789040" y="8265408"/>
+            <a:off x="3789040" y="8126278"/>
             <a:ext cx="2016224" cy="360000"/>
           </a:xfrm>
           <a:prstGeom prst="rect">
@@ -12676,7 +12676,7 @@
         <p:spPr>
           <a:xfrm>
             <a:off x="210685" y="7791538"/>
-            <a:ext cx="1833809" cy="246221"/>
+            <a:ext cx="1833809" cy="861774"/>
           </a:xfrm>
           <a:prstGeom prst="rect">
             <a:avLst/>
@@ -12722,8 +12722,65 @@
                   <a:schemeClr val="tx1"/>
                 </a:solidFill>
               </a:rPr>
-              <a:t>유서 이후 영웅 작곡</a:t>
-            </a:r>
+              <a:t>유서 이후 영웅 </a:t>
+            </a:r>
+            <a:r>
+              <a:rPr lang="ko-KR" altLang="en-US" b="0" dirty="0" smtClean="0">
+                <a:solidFill>
+                  <a:schemeClr val="tx1"/>
+                </a:solidFill>
+              </a:rPr>
+              <a:t>작곡</a:t>
+            </a:r>
+            <a:r>
+              <a:rPr lang="en-US" altLang="ko-KR" b="0" dirty="0" smtClean="0">
+                <a:solidFill>
+                  <a:schemeClr val="tx1"/>
+                </a:solidFill>
+              </a:rPr>
+              <a:t>.</a:t>
+            </a:r>
+          </a:p>
+          <a:p>
+            <a:r>
+              <a:rPr lang="ko-KR" altLang="en-US" b="0" dirty="0" smtClean="0">
+                <a:solidFill>
+                  <a:schemeClr val="tx1"/>
+                </a:solidFill>
+              </a:rPr>
+              <a:t>처음으로 작품에 자신의 번호를 붙임</a:t>
+            </a:r>
+            <a:r>
+              <a:rPr lang="en-US" altLang="ko-KR" b="0" dirty="0" smtClean="0">
+                <a:solidFill>
+                  <a:schemeClr val="tx1"/>
+                </a:solidFill>
+              </a:rPr>
+              <a:t>.</a:t>
+            </a:r>
+          </a:p>
+          <a:p>
+            <a:r>
+              <a:rPr lang="ko-KR" altLang="en-US" b="0" dirty="0" smtClean="0">
+                <a:solidFill>
+                  <a:schemeClr val="tx1"/>
+                </a:solidFill>
+              </a:rPr>
+              <a:t>음악만을 듣기 위한 연주회가 처음으로 시작됨</a:t>
+            </a:r>
+            <a:r>
+              <a:rPr lang="en-US" altLang="ko-KR" b="0" dirty="0" smtClean="0">
+                <a:solidFill>
+                  <a:schemeClr val="tx1"/>
+                </a:solidFill>
+              </a:rPr>
+              <a:t>.</a:t>
+            </a:r>
+            <a:endParaRPr lang="ko-KR" altLang="en-US" b="0" dirty="0">
+              <a:solidFill>
+                <a:schemeClr val="tx1"/>
+              </a:solidFill>
+            </a:endParaRPr>
           </a:p>
         </p:txBody>
       </p:sp>
@@ -12969,6 +13026,83 @@
             <a:r>
               <a:rPr lang="ko-KR" altLang="en-US" sz="700" b="0" dirty="0" smtClean="0"/>
               <a:t>빌헬름 텔</a:t>
+            </a:r>
+            <a:endParaRPr lang="en-US" altLang="ko-KR" sz="700" b="0" dirty="0"/>
+          </a:p>
+        </p:txBody>
+      </p:sp>
+      <p:sp>
+        <p:nvSpPr>
+          <p:cNvPr id="96" name="TextBox 95"/>
+          <p:cNvSpPr txBox="1"/>
+          <p:nvPr/>
+        </p:nvSpPr>
+        <p:spPr>
+          <a:xfrm>
+            <a:off x="3743888" y="8553440"/>
+            <a:ext cx="1512168" cy="360000"/>
+          </a:xfrm>
+          <a:prstGeom prst="rect">
+            <a:avLst/>
+          </a:prstGeom>
+          <a:solidFill>
+            <a:schemeClr val="bg1"/>
+          </a:solidFill>
+          <a:ln>
+            <a:solidFill>
+              <a:schemeClr val="tx1">
+                <a:lumMod val="50000"/>
+                <a:lumOff val="50000"/>
+              </a:schemeClr>
+            </a:solidFill>
+          </a:ln>
+        </p:spPr>
+        <p:txBody>
+          <a:bodyPr wrap="none" lIns="36000" tIns="36000" rIns="36000" bIns="36000" rtlCol="0" anchor="ctr" anchorCtr="0">
+            <a:noAutofit/>
+          </a:bodyPr>
+          <a:lstStyle>
+            <a:defPPr>
+              <a:defRPr lang="ko-KR"/>
+            </a:defPPr>
+            <a:lvl1pPr algn="ctr">
+              <a:lnSpc>
+                <a:spcPts val="1200"/>
+              </a:lnSpc>
+              <a:defRPr sz="800" b="1"/>
+            </a:lvl1pPr>
+          </a:lstStyle>
+          <a:p>
+            <a:r>
+              <a:rPr lang="ko-KR" altLang="en-US" dirty="0" err="1" smtClean="0"/>
+              <a:t>드뷔시</a:t>
+            </a:r>
+            <a:r>
+              <a:rPr lang="ko-KR" altLang="en-US" b="0" dirty="0" smtClean="0"/>
+              <a:t> </a:t>
+            </a:r>
+            <a:r>
+              <a:rPr lang="en-US" altLang="ko-KR" b="0" dirty="0" smtClean="0"/>
+              <a:t>(</a:t>
+            </a:r>
+            <a:r>
+              <a:rPr lang="en-US" altLang="ko-KR" b="0" dirty="0" smtClean="0"/>
+              <a:t>1862~1918)</a:t>
+            </a:r>
+            <a:endParaRPr lang="en-US" altLang="ko-KR" b="0" dirty="0" smtClean="0"/>
+          </a:p>
+          <a:p>
+            <a:r>
+              <a:rPr lang="ko-KR" altLang="en-US" sz="700" b="0" dirty="0" smtClean="0"/>
+              <a:t>인상파 음악</a:t>
+            </a:r>
+            <a:r>
+              <a:rPr lang="en-US" altLang="ko-KR" sz="700" b="0" dirty="0" smtClean="0"/>
+              <a:t>, </a:t>
+            </a:r>
+            <a:r>
+              <a:rPr lang="ko-KR" altLang="en-US" sz="700" b="0" dirty="0" smtClean="0"/>
+              <a:t>달빛</a:t>
             </a:r>
             <a:endParaRPr lang="en-US" altLang="ko-KR" sz="700" b="0" dirty="0"/>
           </a:p>
